--- a/Python21-Threading.pptx
+++ b/Python21-Threading.pptx
@@ -5,24 +5,25 @@
     <p:sldMasterId id="2147483653" r:id="rId1"/>
   </p:sldMasterIdLst>
   <p:notesMasterIdLst>
-    <p:notesMasterId r:id="rId14"/>
+    <p:notesMasterId r:id="rId15"/>
   </p:notesMasterIdLst>
   <p:handoutMasterIdLst>
-    <p:handoutMasterId r:id="rId15"/>
+    <p:handoutMasterId r:id="rId16"/>
   </p:handoutMasterIdLst>
   <p:sldIdLst>
     <p:sldId id="264" r:id="rId2"/>
     <p:sldId id="273" r:id="rId3"/>
     <p:sldId id="275" r:id="rId4"/>
     <p:sldId id="274" r:id="rId5"/>
-    <p:sldId id="265" r:id="rId6"/>
-    <p:sldId id="266" r:id="rId7"/>
-    <p:sldId id="267" r:id="rId8"/>
-    <p:sldId id="268" r:id="rId9"/>
-    <p:sldId id="270" r:id="rId10"/>
-    <p:sldId id="271" r:id="rId11"/>
-    <p:sldId id="272" r:id="rId12"/>
-    <p:sldId id="269" r:id="rId13"/>
+    <p:sldId id="276" r:id="rId6"/>
+    <p:sldId id="265" r:id="rId7"/>
+    <p:sldId id="266" r:id="rId8"/>
+    <p:sldId id="267" r:id="rId9"/>
+    <p:sldId id="268" r:id="rId10"/>
+    <p:sldId id="270" r:id="rId11"/>
+    <p:sldId id="271" r:id="rId12"/>
+    <p:sldId id="272" r:id="rId13"/>
+    <p:sldId id="269" r:id="rId14"/>
   </p:sldIdLst>
   <p:sldSz cx="9144000" cy="6858000" type="screen4x3"/>
   <p:notesSz cx="6648450" cy="9782175"/>
@@ -3778,7 +3779,7 @@
           <a:p>
             <a:r>
               <a:rPr lang="fr-FR" dirty="0" err="1"/>
-              <a:t>Async</a:t>
+              <a:t>Await</a:t>
             </a:r>
             <a:r>
               <a:rPr lang="fr-FR" dirty="0"/>
@@ -3786,7 +3787,7 @@
             </a:r>
             <a:r>
               <a:rPr lang="fr-FR" dirty="0" err="1"/>
-              <a:t>await</a:t>
+              <a:t>Async</a:t>
             </a:r>
             <a:endParaRPr lang="fr-FR" dirty="0"/>
           </a:p>
@@ -3807,7 +3808,80 @@
           <a:bodyPr/>
           <a:lstStyle/>
           <a:p>
-            <a:endParaRPr lang="fr-FR"/>
+            <a:r>
+              <a:rPr lang="fr-FR" dirty="0"/>
+              <a:t>Vocabulaire simplifié pour de la programmation asynchrone</a:t>
+            </a:r>
+          </a:p>
+          <a:p>
+            <a:pPr lvl="1"/>
+            <a:r>
+              <a:rPr lang="fr-FR"/>
+              <a:t>Python 3.5</a:t>
+            </a:r>
+            <a:endParaRPr lang="fr-FR" dirty="0"/>
+          </a:p>
+          <a:p>
+            <a:r>
+              <a:rPr lang="fr-FR" dirty="0" err="1"/>
+              <a:t>Async</a:t>
+            </a:r>
+            <a:endParaRPr lang="fr-FR" dirty="0"/>
+          </a:p>
+          <a:p>
+            <a:pPr lvl="1"/>
+            <a:r>
+              <a:rPr lang="fr-FR" dirty="0"/>
+              <a:t>Permet de spécifier une fonction asynchrone</a:t>
+            </a:r>
+          </a:p>
+          <a:p>
+            <a:pPr lvl="1"/>
+            <a:endParaRPr lang="fr-FR" dirty="0"/>
+          </a:p>
+          <a:p>
+            <a:endParaRPr lang="fr-FR" dirty="0"/>
+          </a:p>
+          <a:p>
+            <a:r>
+              <a:rPr lang="fr-FR" dirty="0" err="1"/>
+              <a:t>Await</a:t>
+            </a:r>
+            <a:endParaRPr lang="fr-FR" dirty="0"/>
+          </a:p>
+          <a:p>
+            <a:pPr lvl="1"/>
+            <a:r>
+              <a:rPr lang="fr-FR" dirty="0"/>
+              <a:t>Permet de suspendre l’exécution tant que l’appel </a:t>
+            </a:r>
+            <a:r>
+              <a:rPr lang="fr-FR" dirty="0" err="1"/>
+              <a:t>async</a:t>
+            </a:r>
+            <a:r>
+              <a:rPr lang="fr-FR" dirty="0"/>
+              <a:t> n’est pas terminé</a:t>
+            </a:r>
+          </a:p>
+          <a:p>
+            <a:pPr lvl="1"/>
+            <a:r>
+              <a:rPr lang="fr-FR" dirty="0" err="1"/>
+              <a:t>await</a:t>
+            </a:r>
+            <a:r>
+              <a:rPr lang="fr-FR" dirty="0"/>
+              <a:t> </a:t>
+            </a:r>
+            <a:r>
+              <a:rPr lang="fr-FR" dirty="0" err="1"/>
+              <a:t>coro</a:t>
+            </a:r>
+            <a:r>
+              <a:rPr lang="fr-FR" dirty="0"/>
+              <a:t>()</a:t>
+            </a:r>
           </a:p>
         </p:txBody>
       </p:sp>
@@ -3827,8 +3901,8 @@
         </p:blipFill>
         <p:spPr>
           <a:xfrm>
-            <a:off x="1195680" y="1156209"/>
-            <a:ext cx="7133744" cy="5436257"/>
+            <a:off x="2555776" y="3933056"/>
+            <a:ext cx="2972245" cy="720080"/>
           </a:xfrm>
           <a:prstGeom prst="rect">
             <a:avLst/>
@@ -3838,7 +3912,7 @@
     </p:spTree>
     <p:extLst>
       <p:ext uri="{BB962C8B-B14F-4D97-AF65-F5344CB8AC3E}">
-        <p14:creationId xmlns:p14="http://schemas.microsoft.com/office/powerpoint/2010/main" val="841109094"/>
+        <p14:creationId xmlns:p14="http://schemas.microsoft.com/office/powerpoint/2010/main" val="2480226118"/>
       </p:ext>
     </p:extLst>
   </p:cSld>
@@ -3886,6 +3960,110 @@
             </a:r>
             <a:r>
               <a:rPr lang="fr-FR" dirty="0"/>
+              <a:t> et </a:t>
+            </a:r>
+            <a:r>
+              <a:rPr lang="fr-FR" dirty="0" err="1"/>
+              <a:t>await</a:t>
+            </a:r>
+            <a:endParaRPr lang="fr-FR" dirty="0"/>
+          </a:p>
+        </p:txBody>
+      </p:sp>
+      <p:sp>
+        <p:nvSpPr>
+          <p:cNvPr id="3" name="Espace réservé du contenu 2"/>
+          <p:cNvSpPr>
+            <a:spLocks noGrp="1"/>
+          </p:cNvSpPr>
+          <p:nvPr>
+            <p:ph idx="1"/>
+          </p:nvPr>
+        </p:nvSpPr>
+        <p:spPr/>
+        <p:txBody>
+          <a:bodyPr/>
+          <a:lstStyle/>
+          <a:p>
+            <a:endParaRPr lang="fr-FR"/>
+          </a:p>
+        </p:txBody>
+      </p:sp>
+      <p:pic>
+        <p:nvPicPr>
+          <p:cNvPr id="4" name="Image 3"/>
+          <p:cNvPicPr>
+            <a:picLocks noChangeAspect="1"/>
+          </p:cNvPicPr>
+          <p:nvPr/>
+        </p:nvPicPr>
+        <p:blipFill>
+          <a:blip r:embed="rId2"/>
+          <a:stretch>
+            <a:fillRect/>
+          </a:stretch>
+        </p:blipFill>
+        <p:spPr>
+          <a:xfrm>
+            <a:off x="1195680" y="1156209"/>
+            <a:ext cx="7133744" cy="5436257"/>
+          </a:xfrm>
+          <a:prstGeom prst="rect">
+            <a:avLst/>
+          </a:prstGeom>
+        </p:spPr>
+      </p:pic>
+    </p:spTree>
+    <p:extLst>
+      <p:ext uri="{BB962C8B-B14F-4D97-AF65-F5344CB8AC3E}">
+        <p14:creationId xmlns:p14="http://schemas.microsoft.com/office/powerpoint/2010/main" val="841109094"/>
+      </p:ext>
+    </p:extLst>
+  </p:cSld>
+  <p:clrMapOvr>
+    <a:masterClrMapping/>
+  </p:clrMapOvr>
+</p:sld>
+</file>
+
+<file path=ppt/slides/slide12.xml><?xml version="1.0" encoding="utf-8"?>
+<p:sld xmlns:a="http://schemas.openxmlformats.org/drawingml/2006/main" xmlns:r="http://schemas.openxmlformats.org/officeDocument/2006/relationships" xmlns:p="http://schemas.openxmlformats.org/presentationml/2006/main">
+  <p:cSld>
+    <p:spTree>
+      <p:nvGrpSpPr>
+        <p:cNvPr id="1" name=""/>
+        <p:cNvGrpSpPr/>
+        <p:nvPr/>
+      </p:nvGrpSpPr>
+      <p:grpSpPr>
+        <a:xfrm>
+          <a:off x="0" y="0"/>
+          <a:ext cx="0" cy="0"/>
+          <a:chOff x="0" y="0"/>
+          <a:chExt cx="0" cy="0"/>
+        </a:xfrm>
+      </p:grpSpPr>
+      <p:sp>
+        <p:nvSpPr>
+          <p:cNvPr id="2" name="Titre 1"/>
+          <p:cNvSpPr>
+            <a:spLocks noGrp="1"/>
+          </p:cNvSpPr>
+          <p:nvPr>
+            <p:ph type="title"/>
+          </p:nvPr>
+        </p:nvSpPr>
+        <p:spPr/>
+        <p:txBody>
+          <a:bodyPr/>
+          <a:lstStyle/>
+          <a:p>
+            <a:r>
+              <a:rPr lang="fr-FR" dirty="0" err="1"/>
+              <a:t>Async</a:t>
+            </a:r>
+            <a:r>
+              <a:rPr lang="fr-FR" dirty="0"/>
               <a:t> </a:t>
             </a:r>
             <a:r>
@@ -3971,7 +4149,7 @@
 </p:sld>
 </file>
 
-<file path=ppt/slides/slide12.xml><?xml version="1.0" encoding="utf-8"?>
+<file path=ppt/slides/slide13.xml><?xml version="1.0" encoding="utf-8"?>
 <p:sld xmlns:a="http://schemas.openxmlformats.org/drawingml/2006/main" xmlns:r="http://schemas.openxmlformats.org/officeDocument/2006/relationships" xmlns:p="http://schemas.openxmlformats.org/presentationml/2006/main">
   <p:cSld>
     <p:spTree>
@@ -4688,230 +4866,6 @@
           </a:prstGeom>
         </p:spPr>
       </p:pic>
-      <p:sp>
-        <p:nvSpPr>
-          <p:cNvPr id="5" name="Rectangle 1">
-            <a:extLst>
-              <a:ext uri="{FF2B5EF4-FFF2-40B4-BE49-F238E27FC236}">
-                <a16:creationId xmlns:a16="http://schemas.microsoft.com/office/drawing/2014/main" id="{339BEF08-ACD8-4290-B149-E35A45F47707}"/>
-              </a:ext>
-            </a:extLst>
-          </p:cNvPr>
-          <p:cNvSpPr>
-            <a:spLocks noChangeArrowheads="1"/>
-          </p:cNvSpPr>
-          <p:nvPr/>
-        </p:nvSpPr>
-        <p:spPr bwMode="auto">
-          <a:xfrm>
-            <a:off x="0" y="0"/>
-            <a:ext cx="9144000" cy="457200"/>
-          </a:xfrm>
-          <a:prstGeom prst="rect">
-            <a:avLst/>
-          </a:prstGeom>
-          <a:solidFill>
-            <a:srgbClr val="F9F9F9"/>
-          </a:solidFill>
-          <a:ln>
-            <a:noFill/>
-          </a:ln>
-          <a:effectLst/>
-          <a:extLst>
-            <a:ext uri="{91240B29-F687-4F45-9708-019B960494DF}">
-              <a14:hiddenLine xmlns:a14="http://schemas.microsoft.com/office/drawing/2010/main" w="9525">
-                <a:solidFill>
-                  <a:schemeClr val="tx1"/>
-                </a:solidFill>
-                <a:miter lim="800000"/>
-                <a:headEnd/>
-                <a:tailEnd/>
-              </a14:hiddenLine>
-            </a:ext>
-            <a:ext uri="{AF507438-7753-43E0-B8FC-AC1667EBCBE1}">
-              <a14:hiddenEffects xmlns:a14="http://schemas.microsoft.com/office/drawing/2010/main">
-                <a:effectLst>
-                  <a:outerShdw dist="35921" dir="2700000" algn="ctr" rotWithShape="0">
-                    <a:schemeClr val="bg2"/>
-                  </a:outerShdw>
-                </a:effectLst>
-              </a14:hiddenEffects>
-            </a:ext>
-          </a:extLst>
-        </p:spPr>
-        <p:txBody>
-          <a:bodyPr vert="horz" wrap="none" lIns="91440" tIns="45720" rIns="91440" bIns="45720" numCol="1" anchor="ctr" anchorCtr="0" compatLnSpc="1">
-            <a:prstTxWarp prst="textNoShape">
-              <a:avLst/>
-            </a:prstTxWarp>
-            <a:spAutoFit/>
-          </a:bodyPr>
-          <a:lstStyle>
-            <a:lvl1pPr eaLnBrk="0" hangingPunct="0">
-              <a:defRPr>
-                <a:solidFill>
-                  <a:schemeClr val="tx1"/>
-                </a:solidFill>
-                <a:latin typeface="Arial" panose="020B0604020202020204" pitchFamily="34" charset="0"/>
-              </a:defRPr>
-            </a:lvl1pPr>
-            <a:lvl2pPr eaLnBrk="0" hangingPunct="0">
-              <a:defRPr>
-                <a:solidFill>
-                  <a:schemeClr val="tx1"/>
-                </a:solidFill>
-                <a:latin typeface="Arial" panose="020B0604020202020204" pitchFamily="34" charset="0"/>
-              </a:defRPr>
-            </a:lvl2pPr>
-            <a:lvl3pPr eaLnBrk="0" hangingPunct="0">
-              <a:defRPr>
-                <a:solidFill>
-                  <a:schemeClr val="tx1"/>
-                </a:solidFill>
-                <a:latin typeface="Arial" panose="020B0604020202020204" pitchFamily="34" charset="0"/>
-              </a:defRPr>
-            </a:lvl3pPr>
-            <a:lvl4pPr eaLnBrk="0" hangingPunct="0">
-              <a:defRPr>
-                <a:solidFill>
-                  <a:schemeClr val="tx1"/>
-                </a:solidFill>
-                <a:latin typeface="Arial" panose="020B0604020202020204" pitchFamily="34" charset="0"/>
-              </a:defRPr>
-            </a:lvl4pPr>
-            <a:lvl5pPr eaLnBrk="0" hangingPunct="0">
-              <a:defRPr>
-                <a:solidFill>
-                  <a:schemeClr val="tx1"/>
-                </a:solidFill>
-                <a:latin typeface="Arial" panose="020B0604020202020204" pitchFamily="34" charset="0"/>
-              </a:defRPr>
-            </a:lvl5pPr>
-            <a:lvl6pPr eaLnBrk="0" fontAlgn="base" hangingPunct="0">
-              <a:spcBef>
-                <a:spcPct val="0"/>
-              </a:spcBef>
-              <a:spcAft>
-                <a:spcPct val="0"/>
-              </a:spcAft>
-              <a:defRPr>
-                <a:solidFill>
-                  <a:schemeClr val="tx1"/>
-                </a:solidFill>
-                <a:latin typeface="Arial" panose="020B0604020202020204" pitchFamily="34" charset="0"/>
-              </a:defRPr>
-            </a:lvl6pPr>
-            <a:lvl7pPr eaLnBrk="0" fontAlgn="base" hangingPunct="0">
-              <a:spcBef>
-                <a:spcPct val="0"/>
-              </a:spcBef>
-              <a:spcAft>
-                <a:spcPct val="0"/>
-              </a:spcAft>
-              <a:defRPr>
-                <a:solidFill>
-                  <a:schemeClr val="tx1"/>
-                </a:solidFill>
-                <a:latin typeface="Arial" panose="020B0604020202020204" pitchFamily="34" charset="0"/>
-              </a:defRPr>
-            </a:lvl7pPr>
-            <a:lvl8pPr eaLnBrk="0" fontAlgn="base" hangingPunct="0">
-              <a:spcBef>
-                <a:spcPct val="0"/>
-              </a:spcBef>
-              <a:spcAft>
-                <a:spcPct val="0"/>
-              </a:spcAft>
-              <a:defRPr>
-                <a:solidFill>
-                  <a:schemeClr val="tx1"/>
-                </a:solidFill>
-                <a:latin typeface="Arial" panose="020B0604020202020204" pitchFamily="34" charset="0"/>
-              </a:defRPr>
-            </a:lvl8pPr>
-            <a:lvl9pPr eaLnBrk="0" fontAlgn="base" hangingPunct="0">
-              <a:spcBef>
-                <a:spcPct val="0"/>
-              </a:spcBef>
-              <a:spcAft>
-                <a:spcPct val="0"/>
-              </a:spcAft>
-              <a:defRPr>
-                <a:solidFill>
-                  <a:schemeClr val="tx1"/>
-                </a:solidFill>
-                <a:latin typeface="Arial" panose="020B0604020202020204" pitchFamily="34" charset="0"/>
-              </a:defRPr>
-            </a:lvl9pPr>
-          </a:lstStyle>
-          <a:p>
-            <a:pPr marL="0" marR="0" lvl="0" indent="0" algn="l" defTabSz="914400" rtl="0" eaLnBrk="0" fontAlgn="base" latinLnBrk="0" hangingPunct="0">
-              <a:lnSpc>
-                <a:spcPct val="100000"/>
-              </a:lnSpc>
-              <a:spcBef>
-                <a:spcPct val="0"/>
-              </a:spcBef>
-              <a:spcAft>
-                <a:spcPct val="0"/>
-              </a:spcAft>
-              <a:buClrTx/>
-              <a:buSzTx/>
-              <a:buFontTx/>
-              <a:buNone/>
-              <a:tabLst/>
-            </a:pPr>
-            <a:r>
-              <a:rPr kumimoji="0" lang="fr-FR" altLang="fr-FR" sz="1000" b="0" i="0" u="none" strike="noStrike" cap="none" normalizeH="0" baseline="0">
-                <a:ln>
-                  <a:noFill/>
-                </a:ln>
-                <a:solidFill>
-                  <a:srgbClr val="444444"/>
-                </a:solidFill>
-                <a:effectLst/>
-                <a:latin typeface="Arial Unicode MS"/>
-              </a:rPr>
-              <a:t>[i async for i in agen()]</a:t>
-            </a:r>
-            <a:r>
-              <a:rPr kumimoji="0" lang="fr-FR" altLang="fr-FR" sz="1100" b="0" i="0" u="none" strike="noStrike" cap="none" normalizeH="0" baseline="0">
-                <a:ln>
-                  <a:noFill/>
-                </a:ln>
-                <a:solidFill>
-                  <a:srgbClr val="444444"/>
-                </a:solidFill>
-                <a:effectLst/>
-                <a:latin typeface="SourceSansProRegular"/>
-              </a:rPr>
-              <a:t>;</a:t>
-            </a:r>
-            <a:r>
-              <a:rPr kumimoji="0" lang="fr-FR" altLang="fr-FR" sz="600" b="0" i="0" u="none" strike="noStrike" cap="none" normalizeH="0" baseline="0">
-                <a:ln>
-                  <a:noFill/>
-                </a:ln>
-                <a:solidFill>
-                  <a:schemeClr val="tx1"/>
-                </a:solidFill>
-                <a:effectLst/>
-              </a:rPr>
-              <a:t> </a:t>
-            </a:r>
-            <a:endParaRPr kumimoji="0" lang="fr-FR" altLang="fr-FR" sz="1800" b="0" i="0" u="none" strike="noStrike" cap="none" normalizeH="0" baseline="0">
-              <a:ln>
-                <a:noFill/>
-              </a:ln>
-              <a:solidFill>
-                <a:schemeClr val="tx1"/>
-              </a:solidFill>
-              <a:effectLst/>
-              <a:latin typeface="Arial" panose="020B0604020202020204" pitchFamily="34" charset="0"/>
-            </a:endParaRPr>
-          </a:p>
-        </p:txBody>
-      </p:sp>
     </p:spTree>
     <p:extLst>
       <p:ext uri="{BB962C8B-B14F-4D97-AF65-F5344CB8AC3E}">
@@ -4944,7 +4898,13 @@
       </p:grpSpPr>
       <p:sp>
         <p:nvSpPr>
-          <p:cNvPr id="2" name="Titre 1"/>
+          <p:cNvPr id="2" name="Titre 1">
+            <a:extLst>
+              <a:ext uri="{FF2B5EF4-FFF2-40B4-BE49-F238E27FC236}">
+                <a16:creationId xmlns:a16="http://schemas.microsoft.com/office/drawing/2014/main" id="{1C2A9A5C-A404-4408-A390-3615E55F0F70}"/>
+              </a:ext>
+            </a:extLst>
+          </p:cNvPr>
           <p:cNvSpPr>
             <a:spLocks noGrp="1"/>
           </p:cNvSpPr>
@@ -4958,8 +4918,8 @@
           <a:lstStyle/>
           <a:p>
             <a:r>
-              <a:rPr lang="fr-FR" dirty="0" err="1"/>
-              <a:t>Multi-thread</a:t>
+              <a:rPr lang="fr-FR" dirty="0" err="1" smtClean="0"/>
+              <a:t>Task</a:t>
             </a:r>
             <a:endParaRPr lang="fr-FR" dirty="0"/>
           </a:p>
@@ -4967,7 +4927,13 @@
       </p:sp>
       <p:sp>
         <p:nvSpPr>
-          <p:cNvPr id="3" name="Espace réservé du contenu 2"/>
+          <p:cNvPr id="3" name="Espace réservé du contenu 2">
+            <a:extLst>
+              <a:ext uri="{FF2B5EF4-FFF2-40B4-BE49-F238E27FC236}">
+                <a16:creationId xmlns:a16="http://schemas.microsoft.com/office/drawing/2014/main" id="{ACFFD4A2-81FC-4AC3-8973-8C6706520733}"/>
+              </a:ext>
+            </a:extLst>
+          </p:cNvPr>
           <p:cNvSpPr>
             <a:spLocks noGrp="1"/>
           </p:cNvSpPr>
@@ -4981,42 +4947,52 @@
           <a:lstStyle/>
           <a:p>
             <a:r>
-              <a:rPr lang="fr-FR" dirty="0"/>
-              <a:t>Les threads permettent de programmer en parallèle</a:t>
-            </a:r>
-          </a:p>
-          <a:p>
-            <a:r>
-              <a:rPr lang="fr-FR" dirty="0"/>
-              <a:t>Très utile quand il y a des algorithmes qui utilisent de grosses ressources</a:t>
-            </a:r>
-          </a:p>
-          <a:p>
-            <a:r>
-              <a:rPr lang="fr-FR" dirty="0"/>
-              <a:t>Considérons un programme très lent</a:t>
-            </a:r>
-          </a:p>
-          <a:p>
-            <a:pPr lvl="1"/>
-            <a:r>
-              <a:rPr lang="fr-FR" dirty="0" err="1"/>
-              <a:t>time.sleep</a:t>
-            </a:r>
-            <a:r>
-              <a:rPr lang="fr-FR" dirty="0"/>
-              <a:t>() effectue une pause</a:t>
-            </a:r>
-          </a:p>
-          <a:p>
-            <a:pPr lvl="1"/>
+              <a:rPr lang="fr-FR" dirty="0" smtClean="0"/>
+              <a:t>Les </a:t>
+            </a:r>
+            <a:r>
+              <a:rPr lang="fr-FR" dirty="0" err="1" smtClean="0"/>
+              <a:t>coroutines</a:t>
+            </a:r>
+            <a:r>
+              <a:rPr lang="fr-FR" dirty="0" smtClean="0"/>
+              <a:t> ‘exécutent en parall</a:t>
+            </a:r>
+            <a:r>
+              <a:rPr lang="fr-FR" dirty="0" smtClean="0"/>
+              <a:t>èle</a:t>
+            </a:r>
+            <a:endParaRPr lang="fr-FR" dirty="0"/>
+          </a:p>
+          <a:p>
+            <a:endParaRPr lang="fr-FR" dirty="0"/>
+          </a:p>
+          <a:p>
+            <a:endParaRPr lang="fr-FR" dirty="0"/>
+          </a:p>
+          <a:p>
+            <a:endParaRPr lang="fr-FR" dirty="0"/>
+          </a:p>
+          <a:p>
+            <a:endParaRPr lang="fr-FR" dirty="0"/>
+          </a:p>
+          <a:p>
+            <a:endParaRPr lang="fr-FR" dirty="0"/>
+          </a:p>
+          <a:p>
+            <a:endParaRPr lang="fr-FR" dirty="0"/>
+          </a:p>
+          <a:p>
+            <a:endParaRPr lang="fr-FR" dirty="0"/>
+          </a:p>
+          <a:p>
             <a:endParaRPr lang="fr-FR" dirty="0"/>
           </a:p>
         </p:txBody>
       </p:sp>
       <p:pic>
         <p:nvPicPr>
-          <p:cNvPr id="4" name="Image 3"/>
+          <p:cNvPr id="5" name="Image 4"/>
           <p:cNvPicPr>
             <a:picLocks noChangeAspect="1"/>
           </p:cNvPicPr>
@@ -5030,8 +5006,8 @@
         </p:blipFill>
         <p:spPr>
           <a:xfrm>
-            <a:off x="2411760" y="3861049"/>
-            <a:ext cx="3973964" cy="2592288"/>
+            <a:off x="1719324" y="2492896"/>
+            <a:ext cx="5686425" cy="3448050"/>
           </a:xfrm>
           <a:prstGeom prst="rect">
             <a:avLst/>
@@ -5041,7 +5017,7 @@
     </p:spTree>
     <p:extLst>
       <p:ext uri="{BB962C8B-B14F-4D97-AF65-F5344CB8AC3E}">
-        <p14:creationId xmlns:p14="http://schemas.microsoft.com/office/powerpoint/2010/main" val="1944501722"/>
+        <p14:creationId xmlns:p14="http://schemas.microsoft.com/office/powerpoint/2010/main" val="2254387153"/>
       </p:ext>
     </p:extLst>
   </p:cSld>
@@ -5084,9 +5060,10 @@
           <a:lstStyle/>
           <a:p>
             <a:r>
-              <a:rPr lang="fr-FR" dirty="0"/>
-              <a:t>Thread</a:t>
-            </a:r>
+              <a:rPr lang="fr-FR" dirty="0" err="1"/>
+              <a:t>Multi-thread</a:t>
+            </a:r>
+            <a:endParaRPr lang="fr-FR" dirty="0"/>
           </a:p>
         </p:txBody>
       </p:sp>
@@ -5107,36 +5084,34 @@
           <a:p>
             <a:r>
               <a:rPr lang="fr-FR" dirty="0"/>
-              <a:t>Le module Thread permet de programmer en parallèle</a:t>
+              <a:t>Les threads permettent de programmer en parallèle</a:t>
+            </a:r>
+          </a:p>
+          <a:p>
+            <a:r>
+              <a:rPr lang="fr-FR" dirty="0"/>
+              <a:t>Très utile quand il y a des algorithmes qui utilisent de grosses ressources</a:t>
+            </a:r>
+          </a:p>
+          <a:p>
+            <a:r>
+              <a:rPr lang="fr-FR" dirty="0"/>
+              <a:t>Considérons un programme très lent</a:t>
             </a:r>
           </a:p>
           <a:p>
             <a:pPr lvl="1"/>
             <a:r>
+              <a:rPr lang="fr-FR" dirty="0" err="1"/>
+              <a:t>time.sleep</a:t>
+            </a:r>
+            <a:r>
               <a:rPr lang="fr-FR" dirty="0"/>
-              <a:t>thread.__</a:t>
-            </a:r>
-            <a:r>
-              <a:rPr lang="fr-FR" dirty="0" err="1"/>
-              <a:t>init</a:t>
-            </a:r>
-            <a:r>
-              <a:rPr lang="fr-FR" dirty="0"/>
-              <a:t>__ initialise la thread</a:t>
+              <a:t>() effectue une pause</a:t>
             </a:r>
           </a:p>
           <a:p>
             <a:pPr lvl="1"/>
-            <a:r>
-              <a:rPr lang="fr-FR" dirty="0" err="1"/>
-              <a:t>run</a:t>
-            </a:r>
-            <a:r>
-              <a:rPr lang="fr-FR" dirty="0"/>
-              <a:t> démarre la thread</a:t>
-            </a:r>
-          </a:p>
-          <a:p>
             <a:endParaRPr lang="fr-FR" dirty="0"/>
           </a:p>
         </p:txBody>
@@ -5157,8 +5132,8 @@
         </p:blipFill>
         <p:spPr>
           <a:xfrm>
-            <a:off x="1187624" y="3281486"/>
-            <a:ext cx="6120680" cy="3171850"/>
+            <a:off x="2411760" y="3861049"/>
+            <a:ext cx="3973964" cy="2592288"/>
           </a:xfrm>
           <a:prstGeom prst="rect">
             <a:avLst/>
@@ -5168,7 +5143,7 @@
     </p:spTree>
     <p:extLst>
       <p:ext uri="{BB962C8B-B14F-4D97-AF65-F5344CB8AC3E}">
-        <p14:creationId xmlns:p14="http://schemas.microsoft.com/office/powerpoint/2010/main" val="19581239"/>
+        <p14:creationId xmlns:p14="http://schemas.microsoft.com/office/powerpoint/2010/main" val="1944501722"/>
       </p:ext>
     </p:extLst>
   </p:cSld>
@@ -5211,10 +5186,9 @@
           <a:lstStyle/>
           <a:p>
             <a:r>
-              <a:rPr lang="fr-FR" dirty="0" err="1"/>
-              <a:t>Multi-thread</a:t>
-            </a:r>
-            <a:endParaRPr lang="fr-FR" dirty="0"/>
+              <a:rPr lang="fr-FR" dirty="0"/>
+              <a:t>Thread</a:t>
+            </a:r>
           </a:p>
         </p:txBody>
       </p:sp>
@@ -5234,23 +5208,38 @@
           <a:lstStyle/>
           <a:p>
             <a:r>
+              <a:rPr lang="fr-FR" dirty="0"/>
+              <a:t>Le module Thread permet de programmer en parallèle</a:t>
+            </a:r>
+          </a:p>
+          <a:p>
+            <a:pPr lvl="1"/>
+            <a:r>
+              <a:rPr lang="fr-FR" dirty="0"/>
+              <a:t>thread.__</a:t>
+            </a:r>
+            <a:r>
               <a:rPr lang="fr-FR" dirty="0" err="1"/>
-              <a:t>Thread.start</a:t>
+              <a:t>init</a:t>
             </a:r>
             <a:r>
               <a:rPr lang="fr-FR" dirty="0"/>
-              <a:t>() démarre une thread</a:t>
-            </a:r>
-          </a:p>
-          <a:p>
+              <a:t>__ initialise la thread</a:t>
+            </a:r>
+          </a:p>
+          <a:p>
+            <a:pPr lvl="1"/>
             <a:r>
               <a:rPr lang="fr-FR" dirty="0" err="1"/>
-              <a:t>Thread.join</a:t>
+              <a:t>run</a:t>
             </a:r>
             <a:r>
               <a:rPr lang="fr-FR" dirty="0"/>
-              <a:t>() attends la fin d’une thread()</a:t>
-            </a:r>
+              <a:t> démarre la thread</a:t>
+            </a:r>
+          </a:p>
+          <a:p>
+            <a:endParaRPr lang="fr-FR" dirty="0"/>
           </a:p>
         </p:txBody>
       </p:sp>
@@ -5270,8 +5259,8 @@
         </p:blipFill>
         <p:spPr>
           <a:xfrm>
-            <a:off x="1619672" y="2466206"/>
-            <a:ext cx="5087544" cy="2979018"/>
+            <a:off x="1187624" y="3281486"/>
+            <a:ext cx="6120680" cy="3171850"/>
           </a:xfrm>
           <a:prstGeom prst="rect">
             <a:avLst/>
@@ -5281,7 +5270,7 @@
     </p:spTree>
     <p:extLst>
       <p:ext uri="{BB962C8B-B14F-4D97-AF65-F5344CB8AC3E}">
-        <p14:creationId xmlns:p14="http://schemas.microsoft.com/office/powerpoint/2010/main" val="4254419118"/>
+        <p14:creationId xmlns:p14="http://schemas.microsoft.com/office/powerpoint/2010/main" val="19581239"/>
       </p:ext>
     </p:extLst>
   </p:cSld>
@@ -5324,9 +5313,10 @@
           <a:lstStyle/>
           <a:p>
             <a:r>
-              <a:rPr lang="fr-FR" dirty="0"/>
-              <a:t>Sémaphore</a:t>
-            </a:r>
+              <a:rPr lang="fr-FR" dirty="0" err="1"/>
+              <a:t>Multi-thread</a:t>
+            </a:r>
+            <a:endParaRPr lang="fr-FR" dirty="0"/>
           </a:p>
         </p:txBody>
       </p:sp>
@@ -5340,30 +5330,29 @@
             <p:ph idx="1"/>
           </p:nvPr>
         </p:nvSpPr>
-        <p:spPr>
-          <a:xfrm>
-            <a:off x="179512" y="1412776"/>
-            <a:ext cx="4104457" cy="5040560"/>
-          </a:xfrm>
-        </p:spPr>
+        <p:spPr/>
         <p:txBody>
           <a:bodyPr/>
           <a:lstStyle/>
           <a:p>
             <a:r>
+              <a:rPr lang="fr-FR" dirty="0" err="1"/>
+              <a:t>Thread.start</a:t>
+            </a:r>
+            <a:r>
               <a:rPr lang="fr-FR" dirty="0"/>
-              <a:t>En cas d’accès concurrent à une ressource un verrou peut être posé pour autoriser une seule thread à accéder à la région concurrente</a:t>
-            </a:r>
-          </a:p>
-          <a:p>
-            <a:r>
-              <a:rPr lang="fr-FR"/>
-              <a:t>Classe RLock</a:t>
-            </a:r>
-            <a:endParaRPr lang="fr-FR" dirty="0"/>
-          </a:p>
-          <a:p>
-            <a:endParaRPr lang="fr-FR" dirty="0"/>
+              <a:t>() démarre une thread</a:t>
+            </a:r>
+          </a:p>
+          <a:p>
+            <a:r>
+              <a:rPr lang="fr-FR" dirty="0" err="1"/>
+              <a:t>Thread.join</a:t>
+            </a:r>
+            <a:r>
+              <a:rPr lang="fr-FR" dirty="0"/>
+              <a:t>() attends la fin d’une thread()</a:t>
+            </a:r>
           </a:p>
         </p:txBody>
       </p:sp>
@@ -5383,8 +5372,8 @@
         </p:blipFill>
         <p:spPr>
           <a:xfrm>
-            <a:off x="4283968" y="1080782"/>
-            <a:ext cx="5688631" cy="6762190"/>
+            <a:off x="1619672" y="2466206"/>
+            <a:ext cx="5087544" cy="2979018"/>
           </a:xfrm>
           <a:prstGeom prst="rect">
             <a:avLst/>
@@ -5394,7 +5383,7 @@
     </p:spTree>
     <p:extLst>
       <p:ext uri="{BB962C8B-B14F-4D97-AF65-F5344CB8AC3E}">
-        <p14:creationId xmlns:p14="http://schemas.microsoft.com/office/powerpoint/2010/main" val="3782317268"/>
+        <p14:creationId xmlns:p14="http://schemas.microsoft.com/office/powerpoint/2010/main" val="4254419118"/>
       </p:ext>
     </p:extLst>
   </p:cSld>
@@ -5437,18 +5426,9 @@
           <a:lstStyle/>
           <a:p>
             <a:r>
-              <a:rPr lang="fr-FR" dirty="0" err="1"/>
-              <a:t>Await</a:t>
-            </a:r>
-            <a:r>
               <a:rPr lang="fr-FR" dirty="0"/>
-              <a:t> et </a:t>
-            </a:r>
-            <a:r>
-              <a:rPr lang="fr-FR" dirty="0" err="1"/>
-              <a:t>Async</a:t>
-            </a:r>
-            <a:endParaRPr lang="fr-FR" dirty="0"/>
+              <a:t>Sémaphore</a:t>
+            </a:r>
           </a:p>
         </p:txBody>
       </p:sp>
@@ -5462,85 +5442,30 @@
             <p:ph idx="1"/>
           </p:nvPr>
         </p:nvSpPr>
-        <p:spPr/>
+        <p:spPr>
+          <a:xfrm>
+            <a:off x="179512" y="1412776"/>
+            <a:ext cx="4104457" cy="5040560"/>
+          </a:xfrm>
+        </p:spPr>
         <p:txBody>
           <a:bodyPr/>
           <a:lstStyle/>
           <a:p>
             <a:r>
               <a:rPr lang="fr-FR" dirty="0"/>
-              <a:t>Vocabulaire simplifié pour de la programmation asynchrone</a:t>
-            </a:r>
-          </a:p>
-          <a:p>
-            <a:pPr lvl="1"/>
+              <a:t>En cas d’accès concurrent à une ressource un verrou peut être posé pour autoriser une seule thread à accéder à la région concurrente</a:t>
+            </a:r>
+          </a:p>
+          <a:p>
             <a:r>
               <a:rPr lang="fr-FR"/>
-              <a:t>Python 3.5</a:t>
+              <a:t>Classe RLock</a:t>
             </a:r>
             <a:endParaRPr lang="fr-FR" dirty="0"/>
           </a:p>
           <a:p>
-            <a:r>
-              <a:rPr lang="fr-FR" dirty="0" err="1"/>
-              <a:t>Async</a:t>
-            </a:r>
             <a:endParaRPr lang="fr-FR" dirty="0"/>
-          </a:p>
-          <a:p>
-            <a:pPr lvl="1"/>
-            <a:r>
-              <a:rPr lang="fr-FR" dirty="0"/>
-              <a:t>Permet de spécifier une fonction asynchrone</a:t>
-            </a:r>
-          </a:p>
-          <a:p>
-            <a:pPr lvl="1"/>
-            <a:endParaRPr lang="fr-FR" dirty="0"/>
-          </a:p>
-          <a:p>
-            <a:endParaRPr lang="fr-FR" dirty="0"/>
-          </a:p>
-          <a:p>
-            <a:r>
-              <a:rPr lang="fr-FR" dirty="0" err="1"/>
-              <a:t>Await</a:t>
-            </a:r>
-            <a:endParaRPr lang="fr-FR" dirty="0"/>
-          </a:p>
-          <a:p>
-            <a:pPr lvl="1"/>
-            <a:r>
-              <a:rPr lang="fr-FR" dirty="0"/>
-              <a:t>Permet de suspendre l’exécution tant que l’appel </a:t>
-            </a:r>
-            <a:r>
-              <a:rPr lang="fr-FR" dirty="0" err="1"/>
-              <a:t>async</a:t>
-            </a:r>
-            <a:r>
-              <a:rPr lang="fr-FR" dirty="0"/>
-              <a:t> n’est pas terminé</a:t>
-            </a:r>
-          </a:p>
-          <a:p>
-            <a:pPr lvl="1"/>
-            <a:r>
-              <a:rPr lang="fr-FR" dirty="0" err="1"/>
-              <a:t>await</a:t>
-            </a:r>
-            <a:r>
-              <a:rPr lang="fr-FR" dirty="0"/>
-              <a:t> </a:t>
-            </a:r>
-            <a:r>
-              <a:rPr lang="fr-FR" dirty="0" err="1"/>
-              <a:t>coro</a:t>
-            </a:r>
-            <a:r>
-              <a:rPr lang="fr-FR" dirty="0"/>
-              <a:t>()</a:t>
-            </a:r>
           </a:p>
         </p:txBody>
       </p:sp>
@@ -5560,8 +5485,8 @@
         </p:blipFill>
         <p:spPr>
           <a:xfrm>
-            <a:off x="2555776" y="3933056"/>
-            <a:ext cx="2972245" cy="720080"/>
+            <a:off x="4283968" y="1080782"/>
+            <a:ext cx="5688631" cy="6762190"/>
           </a:xfrm>
           <a:prstGeom prst="rect">
             <a:avLst/>
@@ -5571,7 +5496,7 @@
     </p:spTree>
     <p:extLst>
       <p:ext uri="{BB962C8B-B14F-4D97-AF65-F5344CB8AC3E}">
-        <p14:creationId xmlns:p14="http://schemas.microsoft.com/office/powerpoint/2010/main" val="2480226118"/>
+        <p14:creationId xmlns:p14="http://schemas.microsoft.com/office/powerpoint/2010/main" val="3782317268"/>
       </p:ext>
     </p:extLst>
   </p:cSld>
